--- a/EasyGo开发介绍.pptx
+++ b/EasyGo开发介绍.pptx
@@ -216,7 +216,7 @@
           <a:p>
             <a:fld id="{2DC21D26-BC57-42DE-8448-D828FCB32F37}" type="datetimeFigureOut">
               <a:rPr lang="zh-CN" altLang="en-US" smtClean="0"/>
-              <a:t>2021/12/30</a:t>
+              <a:t>2022/8/20</a:t>
             </a:fld>
             <a:endParaRPr lang="zh-CN" altLang="en-US"/>
           </a:p>
@@ -814,7 +814,7 @@
           <a:p>
             <a:fld id="{5897670F-8A15-43A5-A959-FF6142994D76}" type="datetimeFigureOut">
               <a:rPr lang="zh-CN" altLang="en-US" smtClean="0"/>
-              <a:t>2021/12/30</a:t>
+              <a:t>2022/8/20</a:t>
             </a:fld>
             <a:endParaRPr lang="zh-CN" altLang="en-US"/>
           </a:p>
@@ -1152,7 +1152,7 @@
           <a:p>
             <a:fld id="{5897670F-8A15-43A5-A959-FF6142994D76}" type="datetimeFigureOut">
               <a:rPr lang="zh-CN" altLang="en-US" smtClean="0"/>
-              <a:t>2021/12/30</a:t>
+              <a:t>2022/8/20</a:t>
             </a:fld>
             <a:endParaRPr lang="zh-CN" altLang="en-US"/>
           </a:p>
@@ -1407,7 +1407,7 @@
           <a:p>
             <a:fld id="{5897670F-8A15-43A5-A959-FF6142994D76}" type="datetimeFigureOut">
               <a:rPr lang="zh-CN" altLang="en-US" smtClean="0"/>
-              <a:t>2021/12/30</a:t>
+              <a:t>2022/8/20</a:t>
             </a:fld>
             <a:endParaRPr lang="zh-CN" altLang="en-US"/>
           </a:p>
@@ -1753,7 +1753,7 @@
           <a:p>
             <a:fld id="{5897670F-8A15-43A5-A959-FF6142994D76}" type="datetimeFigureOut">
               <a:rPr lang="zh-CN" altLang="en-US" smtClean="0"/>
-              <a:t>2021/12/30</a:t>
+              <a:t>2022/8/20</a:t>
             </a:fld>
             <a:endParaRPr lang="zh-CN" altLang="en-US"/>
           </a:p>
@@ -2107,7 +2107,7 @@
           <a:p>
             <a:fld id="{5897670F-8A15-43A5-A959-FF6142994D76}" type="datetimeFigureOut">
               <a:rPr lang="zh-CN" altLang="en-US" smtClean="0"/>
-              <a:t>2021/12/30</a:t>
+              <a:t>2022/8/20</a:t>
             </a:fld>
             <a:endParaRPr lang="zh-CN" altLang="en-US"/>
           </a:p>
@@ -2488,7 +2488,7 @@
           <a:p>
             <a:fld id="{5897670F-8A15-43A5-A959-FF6142994D76}" type="datetimeFigureOut">
               <a:rPr lang="zh-CN" altLang="en-US" smtClean="0"/>
-              <a:t>2021/12/30</a:t>
+              <a:t>2022/8/20</a:t>
             </a:fld>
             <a:endParaRPr lang="zh-CN" altLang="en-US"/>
           </a:p>
@@ -2965,7 +2965,7 @@
           <a:p>
             <a:fld id="{5897670F-8A15-43A5-A959-FF6142994D76}" type="datetimeFigureOut">
               <a:rPr lang="zh-CN" altLang="en-US" smtClean="0"/>
-              <a:t>2021/12/30</a:t>
+              <a:t>2022/8/20</a:t>
             </a:fld>
             <a:endParaRPr lang="zh-CN" altLang="en-US"/>
           </a:p>
@@ -3177,7 +3177,7 @@
           <a:p>
             <a:fld id="{5897670F-8A15-43A5-A959-FF6142994D76}" type="datetimeFigureOut">
               <a:rPr lang="zh-CN" altLang="en-US" smtClean="0"/>
-              <a:t>2021/12/30</a:t>
+              <a:t>2022/8/20</a:t>
             </a:fld>
             <a:endParaRPr lang="zh-CN" altLang="en-US"/>
           </a:p>
@@ -3402,7 +3402,7 @@
           <a:p>
             <a:fld id="{5897670F-8A15-43A5-A959-FF6142994D76}" type="datetimeFigureOut">
               <a:rPr lang="zh-CN" altLang="en-US" smtClean="0"/>
-              <a:t>2021/12/30</a:t>
+              <a:t>2022/8/20</a:t>
             </a:fld>
             <a:endParaRPr lang="zh-CN" altLang="en-US"/>
           </a:p>
@@ -3670,7 +3670,7 @@
                 <a:ea typeface="等线" panose="02010600030101010101" charset="-122"/>
                 <a:cs typeface="+mn-cs"/>
               </a:rPr>
-              <a:t>2021/12/30</a:t>
+              <a:t>2022/8/20</a:t>
             </a:fld>
             <a:endParaRPr kumimoji="0" lang="zh-CN" altLang="en-US" sz="1200" b="0" i="0" u="none" strike="noStrike" kern="1200" cap="none" spc="0" normalizeH="0" baseline="0" noProof="0">
               <a:ln>
@@ -3970,7 +3970,7 @@
                 <a:ea typeface="等线" panose="02010600030101010101" charset="-122"/>
                 <a:cs typeface="+mn-cs"/>
               </a:rPr>
-              <a:t>2021/12/30</a:t>
+              <a:t>2022/8/20</a:t>
             </a:fld>
             <a:endParaRPr kumimoji="0" lang="zh-CN" altLang="en-US" sz="1200" b="0" i="0" u="none" strike="noStrike" kern="1200" cap="none" spc="0" normalizeH="0" baseline="0" noProof="0">
               <a:ln>
@@ -4270,7 +4270,7 @@
           <a:p>
             <a:fld id="{5897670F-8A15-43A5-A959-FF6142994D76}" type="datetimeFigureOut">
               <a:rPr lang="zh-CN" altLang="en-US" smtClean="0"/>
-              <a:t>2021/12/30</a:t>
+              <a:t>2022/8/20</a:t>
             </a:fld>
             <a:endParaRPr lang="zh-CN" altLang="en-US"/>
           </a:p>
@@ -4561,7 +4561,7 @@
                 <a:ea typeface="等线" panose="02010600030101010101" charset="-122"/>
                 <a:cs typeface="+mn-cs"/>
               </a:rPr>
-              <a:t>2021/12/30</a:t>
+              <a:t>2022/8/20</a:t>
             </a:fld>
             <a:endParaRPr kumimoji="0" lang="zh-CN" altLang="en-US" sz="1200" b="0" i="0" u="none" strike="noStrike" kern="1200" cap="none" spc="0" normalizeH="0" baseline="0" noProof="0">
               <a:ln>
@@ -4923,7 +4923,7 @@
                 <a:ea typeface="等线" panose="02010600030101010101" charset="-122"/>
                 <a:cs typeface="+mn-cs"/>
               </a:rPr>
-              <a:t>2021/12/30</a:t>
+              <a:t>2022/8/20</a:t>
             </a:fld>
             <a:endParaRPr kumimoji="0" lang="zh-CN" altLang="en-US" sz="1200" b="0" i="0" u="none" strike="noStrike" kern="1200" cap="none" spc="0" normalizeH="0" baseline="0" noProof="0">
               <a:ln>
@@ -5420,7 +5420,7 @@
                 <a:ea typeface="等线" panose="02010600030101010101" charset="-122"/>
                 <a:cs typeface="+mn-cs"/>
               </a:rPr>
-              <a:t>2021/12/30</a:t>
+              <a:t>2022/8/20</a:t>
             </a:fld>
             <a:endParaRPr kumimoji="0" lang="zh-CN" altLang="en-US" sz="1200" b="0" i="0" u="none" strike="noStrike" kern="1200" cap="none" spc="0" normalizeH="0" baseline="0" noProof="0">
               <a:ln>
@@ -5668,7 +5668,7 @@
                 <a:ea typeface="等线" panose="02010600030101010101" charset="-122"/>
                 <a:cs typeface="+mn-cs"/>
               </a:rPr>
-              <a:t>2021/12/30</a:t>
+              <a:t>2022/8/20</a:t>
             </a:fld>
             <a:endParaRPr kumimoji="0" lang="zh-CN" altLang="en-US" sz="1200" b="0" i="0" u="none" strike="noStrike" kern="1200" cap="none" spc="0" normalizeH="0" baseline="0" noProof="0">
               <a:ln>
@@ -5893,7 +5893,7 @@
                 <a:ea typeface="等线" panose="02010600030101010101" charset="-122"/>
                 <a:cs typeface="+mn-cs"/>
               </a:rPr>
-              <a:t>2021/12/30</a:t>
+              <a:t>2022/8/20</a:t>
             </a:fld>
             <a:endParaRPr kumimoji="0" lang="zh-CN" altLang="en-US" sz="1200" b="0" i="0" u="none" strike="noStrike" kern="1200" cap="none" spc="0" normalizeH="0" baseline="0" noProof="0">
               <a:ln>
@@ -6300,7 +6300,7 @@
                 <a:ea typeface="等线" panose="02010600030101010101" charset="-122"/>
                 <a:cs typeface="+mn-cs"/>
               </a:rPr>
-              <a:t>2021/12/30</a:t>
+              <a:t>2022/8/20</a:t>
             </a:fld>
             <a:endParaRPr kumimoji="0" lang="zh-CN" altLang="en-US" sz="1200" b="0" i="0" u="none" strike="noStrike" kern="1200" cap="none" spc="0" normalizeH="0" baseline="0" noProof="0">
               <a:ln>
@@ -6683,7 +6683,7 @@
                 <a:ea typeface="等线" panose="02010600030101010101" charset="-122"/>
                 <a:cs typeface="+mn-cs"/>
               </a:rPr>
-              <a:t>2021/12/30</a:t>
+              <a:t>2022/8/20</a:t>
             </a:fld>
             <a:endParaRPr kumimoji="0" lang="zh-CN" altLang="en-US" sz="1200" b="0" i="0" u="none" strike="noStrike" kern="1200" cap="none" spc="0" normalizeH="0" baseline="0" noProof="0">
               <a:ln>
@@ -6983,7 +6983,7 @@
                 <a:ea typeface="等线" panose="02010600030101010101" charset="-122"/>
                 <a:cs typeface="+mn-cs"/>
               </a:rPr>
-              <a:t>2021/12/30</a:t>
+              <a:t>2022/8/20</a:t>
             </a:fld>
             <a:endParaRPr kumimoji="0" lang="zh-CN" altLang="en-US" sz="1200" b="0" i="0" u="none" strike="noStrike" kern="1200" cap="none" spc="0" normalizeH="0" baseline="0" noProof="0">
               <a:ln>
@@ -7293,7 +7293,7 @@
                 <a:ea typeface="等线" panose="02010600030101010101" charset="-122"/>
                 <a:cs typeface="+mn-cs"/>
               </a:rPr>
-              <a:t>2021/12/30</a:t>
+              <a:t>2022/8/20</a:t>
             </a:fld>
             <a:endParaRPr kumimoji="0" lang="zh-CN" altLang="en-US" sz="1200" b="0" i="0" u="none" strike="noStrike" kern="1200" cap="none" spc="0" normalizeH="0" baseline="0" noProof="0">
               <a:ln>
@@ -7640,7 +7640,7 @@
           <a:p>
             <a:fld id="{5897670F-8A15-43A5-A959-FF6142994D76}" type="datetimeFigureOut">
               <a:rPr lang="zh-CN" altLang="en-US" smtClean="0"/>
-              <a:t>2021/12/30</a:t>
+              <a:t>2022/8/20</a:t>
             </a:fld>
             <a:endParaRPr lang="zh-CN" altLang="en-US"/>
           </a:p>
@@ -7952,7 +7952,7 @@
           <a:p>
             <a:fld id="{5897670F-8A15-43A5-A959-FF6142994D76}" type="datetimeFigureOut">
               <a:rPr lang="zh-CN" altLang="en-US" smtClean="0"/>
-              <a:t>2021/12/30</a:t>
+              <a:t>2022/8/20</a:t>
             </a:fld>
             <a:endParaRPr lang="zh-CN" altLang="en-US"/>
           </a:p>
@@ -8360,7 +8360,7 @@
           <a:p>
             <a:fld id="{5897670F-8A15-43A5-A959-FF6142994D76}" type="datetimeFigureOut">
               <a:rPr lang="zh-CN" altLang="en-US" smtClean="0"/>
-              <a:t>2021/12/30</a:t>
+              <a:t>2022/8/20</a:t>
             </a:fld>
             <a:endParaRPr lang="zh-CN" altLang="en-US"/>
           </a:p>
@@ -8523,7 +8523,7 @@
           <a:p>
             <a:fld id="{5897670F-8A15-43A5-A959-FF6142994D76}" type="datetimeFigureOut">
               <a:rPr lang="zh-CN" altLang="en-US" smtClean="0"/>
-              <a:t>2021/12/30</a:t>
+              <a:t>2022/8/20</a:t>
             </a:fld>
             <a:endParaRPr lang="zh-CN" altLang="en-US"/>
           </a:p>
@@ -8663,7 +8663,7 @@
           <a:p>
             <a:fld id="{5897670F-8A15-43A5-A959-FF6142994D76}" type="datetimeFigureOut">
               <a:rPr lang="zh-CN" altLang="en-US" smtClean="0"/>
-              <a:t>2021/12/30</a:t>
+              <a:t>2022/8/20</a:t>
             </a:fld>
             <a:endParaRPr lang="zh-CN" altLang="en-US"/>
           </a:p>
@@ -8932,7 +8932,7 @@
           <a:p>
             <a:fld id="{5897670F-8A15-43A5-A959-FF6142994D76}" type="datetimeFigureOut">
               <a:rPr lang="zh-CN" altLang="en-US" smtClean="0"/>
-              <a:t>2021/12/30</a:t>
+              <a:t>2022/8/20</a:t>
             </a:fld>
             <a:endParaRPr lang="zh-CN" altLang="en-US"/>
           </a:p>
@@ -9261,7 +9261,7 @@
           <a:p>
             <a:fld id="{5897670F-8A15-43A5-A959-FF6142994D76}" type="datetimeFigureOut">
               <a:rPr lang="zh-CN" altLang="en-US" smtClean="0"/>
-              <a:t>2021/12/30</a:t>
+              <a:t>2022/8/20</a:t>
             </a:fld>
             <a:endParaRPr lang="zh-CN" altLang="en-US"/>
           </a:p>
@@ -9630,7 +9630,7 @@
           <a:p>
             <a:fld id="{5897670F-8A15-43A5-A959-FF6142994D76}" type="datetimeFigureOut">
               <a:rPr lang="zh-CN" altLang="en-US" smtClean="0"/>
-              <a:t>2021/12/30</a:t>
+              <a:t>2022/8/20</a:t>
             </a:fld>
             <a:endParaRPr lang="zh-CN" altLang="en-US"/>
           </a:p>
@@ -10353,7 +10353,7 @@
                 <a:ea typeface="等线" panose="02010600030101010101" charset="-122"/>
                 <a:cs typeface="+mn-cs"/>
               </a:rPr>
-              <a:t>2021/12/30</a:t>
+              <a:t>2022/8/20</a:t>
             </a:fld>
             <a:endParaRPr kumimoji="0" lang="zh-CN" altLang="en-US" sz="1200" b="0" i="0" u="none" strike="noStrike" kern="1200" cap="none" spc="0" normalizeH="0" baseline="0" noProof="0">
               <a:ln>
@@ -14217,7 +14217,7 @@
         <p:spPr>
           <a:xfrm>
             <a:off x="4836571" y="992551"/>
-            <a:ext cx="4522737" cy="5016758"/>
+            <a:ext cx="4522737" cy="4708981"/>
           </a:xfrm>
           <a:prstGeom prst="rect">
             <a:avLst/>
@@ -14375,20 +14375,37 @@
                 <a:latin typeface="仿宋" panose="02010609060101010101" pitchFamily="49" charset="-122"/>
                 <a:ea typeface="仿宋" panose="02010609060101010101" pitchFamily="49" charset="-122"/>
               </a:rPr>
-              <a:t>排行榜（注：排行榜出了一点故障，目前正在维护开发）</a:t>
-            </a:r>
-            <a:endParaRPr lang="en-US" altLang="zh-CN" sz="2000" dirty="0" smtClean="0">
-              <a:latin typeface="仿宋" panose="02010609060101010101" pitchFamily="49" charset="-122"/>
-              <a:ea typeface="仿宋" panose="02010609060101010101" pitchFamily="49" charset="-122"/>
-            </a:endParaRPr>
-          </a:p>
-          <a:p>
+              <a:t>排行</a:t>
+            </a:r>
+            <a:r>
+              <a:rPr lang="zh-CN" altLang="en-US" sz="2000" dirty="0" smtClean="0">
+                <a:latin typeface="仿宋" panose="02010609060101010101" pitchFamily="49" charset="-122"/>
+                <a:ea typeface="仿宋" panose="02010609060101010101" pitchFamily="49" charset="-122"/>
+              </a:rPr>
+              <a:t>榜</a:t>
+            </a:r>
             <a:r>
               <a:rPr lang="en-US" altLang="zh-CN" sz="2000" dirty="0" smtClean="0">
                 <a:latin typeface="仿宋" panose="02010609060101010101" pitchFamily="49" charset="-122"/>
                 <a:ea typeface="仿宋" panose="02010609060101010101" pitchFamily="49" charset="-122"/>
               </a:rPr>
-              <a:t>   (7)</a:t>
+              <a:t>   </a:t>
+            </a:r>
+          </a:p>
+          <a:p>
+            <a:r>
+              <a:rPr lang="en-US" altLang="zh-CN" sz="2000" dirty="0" smtClean="0">
+                <a:latin typeface="仿宋" panose="02010609060101010101" pitchFamily="49" charset="-122"/>
+                <a:ea typeface="仿宋" panose="02010609060101010101" pitchFamily="49" charset="-122"/>
+              </a:rPr>
+              <a:t>   (</a:t>
+            </a:r>
+            <a:r>
+              <a:rPr lang="en-US" altLang="zh-CN" sz="2000" dirty="0" smtClean="0">
+                <a:latin typeface="仿宋" panose="02010609060101010101" pitchFamily="49" charset="-122"/>
+                <a:ea typeface="仿宋" panose="02010609060101010101" pitchFamily="49" charset="-122"/>
+              </a:rPr>
+              <a:t>7)</a:t>
             </a:r>
             <a:r>
               <a:rPr lang="zh-CN" altLang="en-US" sz="2000" dirty="0" smtClean="0">
@@ -14706,14 +14723,7 @@
                 <a:latin typeface="华文行楷" panose="02010800040101010101" pitchFamily="2" charset="-122"/>
                 <a:ea typeface="华文行楷" panose="02010800040101010101" pitchFamily="2" charset="-122"/>
               </a:rPr>
-              <a:t>为</a:t>
-            </a:r>
-            <a:r>
-              <a:rPr lang="zh-CN" altLang="en-US" dirty="0" smtClean="0">
-                <a:latin typeface="华文行楷" panose="02010800040101010101" pitchFamily="2" charset="-122"/>
-                <a:ea typeface="华文行楷" panose="02010800040101010101" pitchFamily="2" charset="-122"/>
-              </a:rPr>
-              <a:t>一个阶梯（通过坐标的变化来实现）</a:t>
+              <a:t>为一个阶梯（通过坐标的变化来实现）</a:t>
             </a:r>
             <a:endParaRPr lang="en-US" altLang="zh-CN" dirty="0" smtClean="0">
               <a:latin typeface="华文行楷" panose="02010800040101010101" pitchFamily="2" charset="-122"/>
